--- a/doc/発表資料　天然水.pptx
+++ b/doc/発表資料　天然水.pptx
@@ -8,8 +8,8 @@
     <p:notesMasterId r:id="rId12"/>
   </p:notesMasterIdLst>
   <p:sldIdLst>
-    <p:sldId id="257" r:id="rId2"/>
-    <p:sldId id="267" r:id="rId3"/>
+    <p:sldId id="267" r:id="rId2"/>
+    <p:sldId id="257" r:id="rId3"/>
     <p:sldId id="258" r:id="rId4"/>
     <p:sldId id="259" r:id="rId5"/>
     <p:sldId id="261" r:id="rId6"/>
@@ -4960,283 +4960,6 @@
 <file path=ppt/slides/slide1.xml><?xml version="1.0" encoding="utf-8"?>
 <p:sld xmlns:a="http://schemas.openxmlformats.org/drawingml/2006/main" xmlns:r="http://schemas.openxmlformats.org/officeDocument/2006/relationships" xmlns:p="http://schemas.openxmlformats.org/presentationml/2006/main">
   <p:cSld>
-    <p:spTree>
-      <p:nvGrpSpPr>
-        <p:cNvPr id="1" name=""/>
-        <p:cNvGrpSpPr/>
-        <p:nvPr/>
-      </p:nvGrpSpPr>
-      <p:grpSpPr>
-        <a:xfrm>
-          <a:off x="0" y="0"/>
-          <a:ext cx="0" cy="0"/>
-          <a:chOff x="0" y="0"/>
-          <a:chExt cx="0" cy="0"/>
-        </a:xfrm>
-      </p:grpSpPr>
-      <p:sp>
-        <p:nvSpPr>
-          <p:cNvPr id="2" name="テキスト ボックス 1">
-            <a:extLst>
-              <a:ext uri="{FF2B5EF4-FFF2-40B4-BE49-F238E27FC236}">
-                <a16:creationId xmlns:a16="http://schemas.microsoft.com/office/drawing/2014/main" id="{81C933A3-980D-4805-A7C6-C0CF32F70CCF}"/>
-              </a:ext>
-            </a:extLst>
-          </p:cNvPr>
-          <p:cNvSpPr txBox="1"/>
-          <p:nvPr/>
-        </p:nvSpPr>
-        <p:spPr>
-          <a:xfrm>
-            <a:off x="3254477" y="2743200"/>
-            <a:ext cx="4670323" cy="369332"/>
-          </a:xfrm>
-          <a:prstGeom prst="rect">
-            <a:avLst/>
-          </a:prstGeom>
-          <a:noFill/>
-        </p:spPr>
-        <p:txBody>
-          <a:bodyPr wrap="square" rtlCol="0">
-            <a:spAutoFit/>
-          </a:bodyPr>
-          <a:lstStyle/>
-          <a:p>
-            <a:r>
-              <a:rPr kumimoji="1" lang="ja-JP" altLang="en-US" dirty="0"/>
-              <a:t>動画</a:t>
-            </a:r>
-          </a:p>
-        </p:txBody>
-      </p:sp>
-    </p:spTree>
-    <p:extLst>
-      <p:ext uri="{BB962C8B-B14F-4D97-AF65-F5344CB8AC3E}">
-        <p14:creationId xmlns:p14="http://schemas.microsoft.com/office/powerpoint/2010/main" val="1879961676"/>
-      </p:ext>
-    </p:extLst>
-  </p:cSld>
-  <p:clrMapOvr>
-    <a:masterClrMapping/>
-  </p:clrMapOvr>
-</p:sld>
-</file>
-
-<file path=ppt/slides/slide10.xml><?xml version="1.0" encoding="utf-8"?>
-<p:sld xmlns:a="http://schemas.openxmlformats.org/drawingml/2006/main" xmlns:r="http://schemas.openxmlformats.org/officeDocument/2006/relationships" xmlns:p="http://schemas.openxmlformats.org/presentationml/2006/main">
-  <p:cSld>
-    <p:spTree>
-      <p:nvGrpSpPr>
-        <p:cNvPr id="1" name=""/>
-        <p:cNvGrpSpPr/>
-        <p:nvPr/>
-      </p:nvGrpSpPr>
-      <p:grpSpPr>
-        <a:xfrm>
-          <a:off x="0" y="0"/>
-          <a:ext cx="0" cy="0"/>
-          <a:chOff x="0" y="0"/>
-          <a:chExt cx="0" cy="0"/>
-        </a:xfrm>
-      </p:grpSpPr>
-      <p:sp>
-        <p:nvSpPr>
-          <p:cNvPr id="3" name="テキスト ボックス 2">
-            <a:extLst>
-              <a:ext uri="{FF2B5EF4-FFF2-40B4-BE49-F238E27FC236}">
-                <a16:creationId xmlns:a16="http://schemas.microsoft.com/office/drawing/2014/main" id="{00694A4B-BAE7-4B4F-9416-695B1FE2F378}"/>
-              </a:ext>
-            </a:extLst>
-          </p:cNvPr>
-          <p:cNvSpPr txBox="1"/>
-          <p:nvPr/>
-        </p:nvSpPr>
-        <p:spPr>
-          <a:xfrm>
-            <a:off x="601857" y="343873"/>
-            <a:ext cx="2835824" cy="523220"/>
-          </a:xfrm>
-          <a:prstGeom prst="rect">
-            <a:avLst/>
-          </a:prstGeom>
-          <a:noFill/>
-        </p:spPr>
-        <p:txBody>
-          <a:bodyPr wrap="square" rtlCol="0">
-            <a:spAutoFit/>
-          </a:bodyPr>
-          <a:lstStyle/>
-          <a:p>
-            <a:r>
-              <a:rPr kumimoji="1" lang="ja-JP" altLang="en-US" sz="2800" b="1" dirty="0"/>
-              <a:t>今後について</a:t>
-            </a:r>
-          </a:p>
-        </p:txBody>
-      </p:sp>
-      <p:sp>
-        <p:nvSpPr>
-          <p:cNvPr id="2" name="テキスト ボックス 1">
-            <a:extLst>
-              <a:ext uri="{FF2B5EF4-FFF2-40B4-BE49-F238E27FC236}">
-                <a16:creationId xmlns:a16="http://schemas.microsoft.com/office/drawing/2014/main" id="{785B2318-D8D3-4866-8998-CDB90F498974}"/>
-              </a:ext>
-            </a:extLst>
-          </p:cNvPr>
-          <p:cNvSpPr txBox="1"/>
-          <p:nvPr/>
-        </p:nvSpPr>
-        <p:spPr>
-          <a:xfrm>
-            <a:off x="1695678" y="1817705"/>
-            <a:ext cx="8362722" cy="954107"/>
-          </a:xfrm>
-          <a:prstGeom prst="rect">
-            <a:avLst/>
-          </a:prstGeom>
-          <a:noFill/>
-        </p:spPr>
-        <p:txBody>
-          <a:bodyPr wrap="square" rtlCol="0">
-            <a:spAutoFit/>
-          </a:bodyPr>
-          <a:lstStyle/>
-          <a:p>
-            <a:r>
-              <a:rPr lang="ja-JP" altLang="en-US" sz="2800" b="1" dirty="0"/>
-              <a:t>継続すること：</a:t>
-            </a:r>
-            <a:r>
-              <a:rPr lang="ja-JP" altLang="en-US" sz="2800" b="1" dirty="0">
-                <a:solidFill>
-                  <a:srgbClr val="FF0000"/>
-                </a:solidFill>
-              </a:rPr>
-              <a:t>積極的なコミュニケーション</a:t>
-            </a:r>
-            <a:endParaRPr lang="en-US" altLang="ja-JP" sz="2800" b="1" dirty="0">
-              <a:solidFill>
-                <a:srgbClr val="FF0000"/>
-              </a:solidFill>
-            </a:endParaRPr>
-          </a:p>
-          <a:p>
-            <a:r>
-              <a:rPr kumimoji="1" lang="ja-JP" altLang="en-US" sz="2800" b="1" dirty="0"/>
-              <a:t>　　　　　　　→報連相・共通認識の確認</a:t>
-            </a:r>
-          </a:p>
-        </p:txBody>
-      </p:sp>
-      <p:sp>
-        <p:nvSpPr>
-          <p:cNvPr id="6" name="テキスト ボックス 5">
-            <a:extLst>
-              <a:ext uri="{FF2B5EF4-FFF2-40B4-BE49-F238E27FC236}">
-                <a16:creationId xmlns:a16="http://schemas.microsoft.com/office/drawing/2014/main" id="{F418BF6D-2362-4173-8EC7-70A773BBE309}"/>
-              </a:ext>
-            </a:extLst>
-          </p:cNvPr>
-          <p:cNvSpPr txBox="1"/>
-          <p:nvPr/>
-        </p:nvSpPr>
-        <p:spPr>
-          <a:xfrm>
-            <a:off x="1695678" y="3347493"/>
-            <a:ext cx="8964606" cy="954107"/>
-          </a:xfrm>
-          <a:prstGeom prst="rect">
-            <a:avLst/>
-          </a:prstGeom>
-          <a:noFill/>
-        </p:spPr>
-        <p:txBody>
-          <a:bodyPr wrap="square" rtlCol="0">
-            <a:spAutoFit/>
-          </a:bodyPr>
-          <a:lstStyle/>
-          <a:p>
-            <a:r>
-              <a:rPr lang="ja-JP" altLang="en-US" sz="2800" b="1" dirty="0"/>
-              <a:t>改善すること：</a:t>
-            </a:r>
-            <a:r>
-              <a:rPr lang="ja-JP" altLang="en-US" sz="2800" b="1" dirty="0">
-                <a:solidFill>
-                  <a:srgbClr val="FF0000"/>
-                </a:solidFill>
-              </a:rPr>
-              <a:t>タイムマネジメント</a:t>
-            </a:r>
-            <a:endParaRPr lang="en-US" altLang="ja-JP" sz="2800" b="1" dirty="0">
-              <a:solidFill>
-                <a:srgbClr val="FF0000"/>
-              </a:solidFill>
-            </a:endParaRPr>
-          </a:p>
-          <a:p>
-            <a:r>
-              <a:rPr kumimoji="1" lang="ja-JP" altLang="en-US" sz="2800" b="1" dirty="0"/>
-              <a:t>　　　　　　　→タスクの洗い出し・優先順位の作成</a:t>
-            </a:r>
-          </a:p>
-        </p:txBody>
-      </p:sp>
-      <p:cxnSp>
-        <p:nvCxnSpPr>
-          <p:cNvPr id="7" name="直線コネクタ 6">
-            <a:extLst>
-              <a:ext uri="{FF2B5EF4-FFF2-40B4-BE49-F238E27FC236}">
-                <a16:creationId xmlns:a16="http://schemas.microsoft.com/office/drawing/2014/main" id="{6E54074B-1EE3-49D5-9D6B-978ED9799B03}"/>
-              </a:ext>
-            </a:extLst>
-          </p:cNvPr>
-          <p:cNvCxnSpPr>
-            <a:cxnSpLocks/>
-          </p:cNvCxnSpPr>
-          <p:nvPr/>
-        </p:nvCxnSpPr>
-        <p:spPr>
-          <a:xfrm>
-            <a:off x="486137" y="867093"/>
-            <a:ext cx="2488557" cy="0"/>
-          </a:xfrm>
-          <a:prstGeom prst="line">
-            <a:avLst/>
-          </a:prstGeom>
-          <a:ln w="28575"/>
-        </p:spPr>
-        <p:style>
-          <a:lnRef idx="1">
-            <a:schemeClr val="dk1"/>
-          </a:lnRef>
-          <a:fillRef idx="0">
-            <a:schemeClr val="dk1"/>
-          </a:fillRef>
-          <a:effectRef idx="0">
-            <a:schemeClr val="dk1"/>
-          </a:effectRef>
-          <a:fontRef idx="minor">
-            <a:schemeClr val="tx1"/>
-          </a:fontRef>
-        </p:style>
-      </p:cxnSp>
-    </p:spTree>
-    <p:extLst>
-      <p:ext uri="{BB962C8B-B14F-4D97-AF65-F5344CB8AC3E}">
-        <p14:creationId xmlns:p14="http://schemas.microsoft.com/office/powerpoint/2010/main" val="1796013863"/>
-      </p:ext>
-    </p:extLst>
-  </p:cSld>
-  <p:clrMapOvr>
-    <a:masterClrMapping/>
-  </p:clrMapOvr>
-</p:sld>
-</file>
-
-<file path=ppt/slides/slide2.xml><?xml version="1.0" encoding="utf-8"?>
-<p:sld xmlns:a="http://schemas.openxmlformats.org/drawingml/2006/main" xmlns:r="http://schemas.openxmlformats.org/officeDocument/2006/relationships" xmlns:p="http://schemas.openxmlformats.org/presentationml/2006/main">
-  <p:cSld>
     <p:bg>
       <p:bgPr>
         <a:solidFill>
@@ -5333,10 +5056,582 @@
           </a:prstGeom>
         </p:spPr>
       </p:pic>
+      <p:sp>
+        <p:nvSpPr>
+          <p:cNvPr id="2" name="テキスト ボックス 1">
+            <a:extLst>
+              <a:ext uri="{FF2B5EF4-FFF2-40B4-BE49-F238E27FC236}">
+                <a16:creationId xmlns:a16="http://schemas.microsoft.com/office/drawing/2014/main" id="{C46E30E0-70FA-4332-975D-85D05216583B}"/>
+              </a:ext>
+            </a:extLst>
+          </p:cNvPr>
+          <p:cNvSpPr txBox="1"/>
+          <p:nvPr/>
+        </p:nvSpPr>
+        <p:spPr>
+          <a:xfrm>
+            <a:off x="3970117" y="1347085"/>
+            <a:ext cx="4074289" cy="707886"/>
+          </a:xfrm>
+          <a:prstGeom prst="rect">
+            <a:avLst/>
+          </a:prstGeom>
+          <a:noFill/>
+        </p:spPr>
+        <p:txBody>
+          <a:bodyPr wrap="square" rtlCol="0">
+            <a:spAutoFit/>
+          </a:bodyPr>
+          <a:lstStyle/>
+          <a:p>
+            <a:r>
+              <a:rPr kumimoji="1" lang="en-US" altLang="ja-JP" sz="4000" b="1" dirty="0"/>
+              <a:t>C6</a:t>
+            </a:r>
+            <a:r>
+              <a:rPr kumimoji="1" lang="ja-JP" altLang="en-US" sz="4000" b="1" dirty="0"/>
+              <a:t>　成果発表会</a:t>
+            </a:r>
+          </a:p>
+        </p:txBody>
+      </p:sp>
+      <p:sp>
+        <p:nvSpPr>
+          <p:cNvPr id="3" name="テキスト ボックス 2">
+            <a:extLst>
+              <a:ext uri="{FF2B5EF4-FFF2-40B4-BE49-F238E27FC236}">
+                <a16:creationId xmlns:a16="http://schemas.microsoft.com/office/drawing/2014/main" id="{70EB87F1-3C65-49E2-9949-30915FDAD9AF}"/>
+              </a:ext>
+            </a:extLst>
+          </p:cNvPr>
+          <p:cNvSpPr txBox="1"/>
+          <p:nvPr/>
+        </p:nvSpPr>
+        <p:spPr>
+          <a:xfrm>
+            <a:off x="4155311" y="2465587"/>
+            <a:ext cx="3113589" cy="523220"/>
+          </a:xfrm>
+          <a:prstGeom prst="rect">
+            <a:avLst/>
+          </a:prstGeom>
+          <a:noFill/>
+        </p:spPr>
+        <p:txBody>
+          <a:bodyPr wrap="square" rtlCol="0">
+            <a:spAutoFit/>
+          </a:bodyPr>
+          <a:lstStyle/>
+          <a:p>
+            <a:r>
+              <a:rPr kumimoji="1" lang="ja-JP" altLang="en-US" sz="2800" b="1" dirty="0"/>
+              <a:t>自炊お助けアプリ</a:t>
+            </a:r>
+          </a:p>
+        </p:txBody>
+      </p:sp>
+      <p:sp>
+        <p:nvSpPr>
+          <p:cNvPr id="9" name="テキスト ボックス 8">
+            <a:extLst>
+              <a:ext uri="{FF2B5EF4-FFF2-40B4-BE49-F238E27FC236}">
+                <a16:creationId xmlns:a16="http://schemas.microsoft.com/office/drawing/2014/main" id="{DB11F53B-1A9C-41F9-A8E1-1E8075CB14B6}"/>
+              </a:ext>
+            </a:extLst>
+          </p:cNvPr>
+          <p:cNvSpPr txBox="1"/>
+          <p:nvPr/>
+        </p:nvSpPr>
+        <p:spPr>
+          <a:xfrm>
+            <a:off x="8324251" y="4012500"/>
+            <a:ext cx="1977217" cy="1631216"/>
+          </a:xfrm>
+          <a:prstGeom prst="rect">
+            <a:avLst/>
+          </a:prstGeom>
+          <a:noFill/>
+        </p:spPr>
+        <p:txBody>
+          <a:bodyPr wrap="square" rtlCol="0">
+            <a:spAutoFit/>
+          </a:bodyPr>
+          <a:lstStyle/>
+          <a:p>
+            <a:r>
+              <a:rPr kumimoji="1" lang="ja-JP" altLang="en-US" sz="2000" b="1" dirty="0"/>
+              <a:t>内田健斗</a:t>
+            </a:r>
+            <a:endParaRPr kumimoji="1" lang="en-US" altLang="ja-JP" sz="2000" b="1" dirty="0"/>
+          </a:p>
+          <a:p>
+            <a:r>
+              <a:rPr lang="ja-JP" altLang="en-US" sz="2000" b="1" dirty="0"/>
+              <a:t>小阪瞳</a:t>
+            </a:r>
+            <a:endParaRPr lang="en-US" altLang="ja-JP" sz="2000" b="1" dirty="0"/>
+          </a:p>
+          <a:p>
+            <a:r>
+              <a:rPr kumimoji="1" lang="ja-JP" altLang="en-US" sz="2000" b="1" dirty="0"/>
+              <a:t>齊藤圭汰</a:t>
+            </a:r>
+            <a:endParaRPr kumimoji="1" lang="en-US" altLang="ja-JP" sz="2000" b="1" dirty="0"/>
+          </a:p>
+          <a:p>
+            <a:r>
+              <a:rPr lang="ja-JP" altLang="en-US" sz="2000" b="1" dirty="0"/>
+              <a:t>長島蒼樹</a:t>
+            </a:r>
+            <a:endParaRPr lang="en-US" altLang="ja-JP" sz="2000" b="1" dirty="0"/>
+          </a:p>
+          <a:p>
+            <a:r>
+              <a:rPr kumimoji="1" lang="ja-JP" altLang="en-US" sz="2000" b="1" dirty="0"/>
+              <a:t>吉田美幸</a:t>
+            </a:r>
+          </a:p>
+        </p:txBody>
+      </p:sp>
+      <p:pic>
+        <p:nvPicPr>
+          <p:cNvPr id="11" name="図 10">
+            <a:extLst>
+              <a:ext uri="{FF2B5EF4-FFF2-40B4-BE49-F238E27FC236}">
+                <a16:creationId xmlns:a16="http://schemas.microsoft.com/office/drawing/2014/main" id="{C9595822-B528-4758-93D1-78DB1D2E4E41}"/>
+              </a:ext>
+            </a:extLst>
+          </p:cNvPr>
+          <p:cNvPicPr>
+            <a:picLocks noChangeAspect="1"/>
+          </p:cNvPicPr>
+          <p:nvPr/>
+        </p:nvPicPr>
+        <p:blipFill>
+          <a:blip r:embed="rId4"/>
+          <a:stretch>
+            <a:fillRect/>
+          </a:stretch>
+        </p:blipFill>
+        <p:spPr>
+          <a:xfrm>
+            <a:off x="3894136" y="2839639"/>
+            <a:ext cx="3635938" cy="2593636"/>
+          </a:xfrm>
+          <a:prstGeom prst="rect">
+            <a:avLst/>
+          </a:prstGeom>
+        </p:spPr>
+      </p:pic>
     </p:spTree>
     <p:extLst>
       <p:ext uri="{BB962C8B-B14F-4D97-AF65-F5344CB8AC3E}">
         <p14:creationId xmlns:p14="http://schemas.microsoft.com/office/powerpoint/2010/main" val="1634234353"/>
+      </p:ext>
+    </p:extLst>
+  </p:cSld>
+  <p:clrMapOvr>
+    <a:masterClrMapping/>
+  </p:clrMapOvr>
+</p:sld>
+</file>
+
+<file path=ppt/slides/slide10.xml><?xml version="1.0" encoding="utf-8"?>
+<p:sld xmlns:a="http://schemas.openxmlformats.org/drawingml/2006/main" xmlns:r="http://schemas.openxmlformats.org/officeDocument/2006/relationships" xmlns:p="http://schemas.openxmlformats.org/presentationml/2006/main">
+  <p:cSld>
+    <p:spTree>
+      <p:nvGrpSpPr>
+        <p:cNvPr id="1" name=""/>
+        <p:cNvGrpSpPr/>
+        <p:nvPr/>
+      </p:nvGrpSpPr>
+      <p:grpSpPr>
+        <a:xfrm>
+          <a:off x="0" y="0"/>
+          <a:ext cx="0" cy="0"/>
+          <a:chOff x="0" y="0"/>
+          <a:chExt cx="0" cy="0"/>
+        </a:xfrm>
+      </p:grpSpPr>
+      <p:sp>
+        <p:nvSpPr>
+          <p:cNvPr id="3" name="テキスト ボックス 2">
+            <a:extLst>
+              <a:ext uri="{FF2B5EF4-FFF2-40B4-BE49-F238E27FC236}">
+                <a16:creationId xmlns:a16="http://schemas.microsoft.com/office/drawing/2014/main" id="{00694A4B-BAE7-4B4F-9416-695B1FE2F378}"/>
+              </a:ext>
+            </a:extLst>
+          </p:cNvPr>
+          <p:cNvSpPr txBox="1"/>
+          <p:nvPr/>
+        </p:nvSpPr>
+        <p:spPr>
+          <a:xfrm>
+            <a:off x="601857" y="343873"/>
+            <a:ext cx="2835824" cy="523220"/>
+          </a:xfrm>
+          <a:prstGeom prst="rect">
+            <a:avLst/>
+          </a:prstGeom>
+          <a:noFill/>
+        </p:spPr>
+        <p:txBody>
+          <a:bodyPr wrap="square" rtlCol="0">
+            <a:spAutoFit/>
+          </a:bodyPr>
+          <a:lstStyle/>
+          <a:p>
+            <a:r>
+              <a:rPr kumimoji="1" lang="ja-JP" altLang="en-US" sz="2800" b="1" dirty="0"/>
+              <a:t>今後について</a:t>
+            </a:r>
+          </a:p>
+        </p:txBody>
+      </p:sp>
+      <p:sp>
+        <p:nvSpPr>
+          <p:cNvPr id="2" name="テキスト ボックス 1">
+            <a:extLst>
+              <a:ext uri="{FF2B5EF4-FFF2-40B4-BE49-F238E27FC236}">
+                <a16:creationId xmlns:a16="http://schemas.microsoft.com/office/drawing/2014/main" id="{785B2318-D8D3-4866-8998-CDB90F498974}"/>
+              </a:ext>
+            </a:extLst>
+          </p:cNvPr>
+          <p:cNvSpPr txBox="1"/>
+          <p:nvPr/>
+        </p:nvSpPr>
+        <p:spPr>
+          <a:xfrm>
+            <a:off x="1695678" y="1817705"/>
+            <a:ext cx="8362722" cy="954107"/>
+          </a:xfrm>
+          <a:prstGeom prst="rect">
+            <a:avLst/>
+          </a:prstGeom>
+          <a:noFill/>
+        </p:spPr>
+        <p:txBody>
+          <a:bodyPr wrap="square" rtlCol="0">
+            <a:spAutoFit/>
+          </a:bodyPr>
+          <a:lstStyle/>
+          <a:p>
+            <a:r>
+              <a:rPr lang="ja-JP" altLang="en-US" sz="2800" b="1" dirty="0"/>
+              <a:t>継続すること：</a:t>
+            </a:r>
+            <a:r>
+              <a:rPr lang="ja-JP" altLang="en-US" sz="2800" b="1" dirty="0">
+                <a:solidFill>
+                  <a:srgbClr val="FF0000"/>
+                </a:solidFill>
+              </a:rPr>
+              <a:t>積極的なコミュニケーション</a:t>
+            </a:r>
+            <a:endParaRPr lang="en-US" altLang="ja-JP" sz="2800" b="1" dirty="0">
+              <a:solidFill>
+                <a:srgbClr val="FF0000"/>
+              </a:solidFill>
+            </a:endParaRPr>
+          </a:p>
+          <a:p>
+            <a:r>
+              <a:rPr kumimoji="1" lang="ja-JP" altLang="en-US" sz="2800" b="1" dirty="0"/>
+              <a:t>　　　　　　　→報連相・共通認識の確認</a:t>
+            </a:r>
+          </a:p>
+        </p:txBody>
+      </p:sp>
+      <p:sp>
+        <p:nvSpPr>
+          <p:cNvPr id="6" name="テキスト ボックス 5">
+            <a:extLst>
+              <a:ext uri="{FF2B5EF4-FFF2-40B4-BE49-F238E27FC236}">
+                <a16:creationId xmlns:a16="http://schemas.microsoft.com/office/drawing/2014/main" id="{F418BF6D-2362-4173-8EC7-70A773BBE309}"/>
+              </a:ext>
+            </a:extLst>
+          </p:cNvPr>
+          <p:cNvSpPr txBox="1"/>
+          <p:nvPr/>
+        </p:nvSpPr>
+        <p:spPr>
+          <a:xfrm>
+            <a:off x="1695678" y="3347493"/>
+            <a:ext cx="8964606" cy="954107"/>
+          </a:xfrm>
+          <a:prstGeom prst="rect">
+            <a:avLst/>
+          </a:prstGeom>
+          <a:noFill/>
+        </p:spPr>
+        <p:txBody>
+          <a:bodyPr wrap="square" rtlCol="0">
+            <a:spAutoFit/>
+          </a:bodyPr>
+          <a:lstStyle/>
+          <a:p>
+            <a:r>
+              <a:rPr lang="ja-JP" altLang="en-US" sz="2800" b="1" dirty="0"/>
+              <a:t>改善すること：</a:t>
+            </a:r>
+            <a:r>
+              <a:rPr lang="ja-JP" altLang="en-US" sz="2800" b="1" dirty="0">
+                <a:solidFill>
+                  <a:srgbClr val="FF0000"/>
+                </a:solidFill>
+              </a:rPr>
+              <a:t>タイムマネジメント</a:t>
+            </a:r>
+            <a:endParaRPr lang="en-US" altLang="ja-JP" sz="2800" b="1" dirty="0">
+              <a:solidFill>
+                <a:srgbClr val="FF0000"/>
+              </a:solidFill>
+            </a:endParaRPr>
+          </a:p>
+          <a:p>
+            <a:r>
+              <a:rPr kumimoji="1" lang="ja-JP" altLang="en-US" sz="2800" b="1" dirty="0"/>
+              <a:t>　　　　　　　→タスクの洗い出し・優先順位の作成</a:t>
+            </a:r>
+          </a:p>
+        </p:txBody>
+      </p:sp>
+      <p:cxnSp>
+        <p:nvCxnSpPr>
+          <p:cNvPr id="7" name="直線コネクタ 6">
+            <a:extLst>
+              <a:ext uri="{FF2B5EF4-FFF2-40B4-BE49-F238E27FC236}">
+                <a16:creationId xmlns:a16="http://schemas.microsoft.com/office/drawing/2014/main" id="{6E54074B-1EE3-49D5-9D6B-978ED9799B03}"/>
+              </a:ext>
+            </a:extLst>
+          </p:cNvPr>
+          <p:cNvCxnSpPr>
+            <a:cxnSpLocks/>
+          </p:cNvCxnSpPr>
+          <p:nvPr/>
+        </p:nvCxnSpPr>
+        <p:spPr>
+          <a:xfrm>
+            <a:off x="486137" y="867093"/>
+            <a:ext cx="2488557" cy="0"/>
+          </a:xfrm>
+          <a:prstGeom prst="line">
+            <a:avLst/>
+          </a:prstGeom>
+          <a:ln w="28575"/>
+        </p:spPr>
+        <p:style>
+          <a:lnRef idx="1">
+            <a:schemeClr val="dk1"/>
+          </a:lnRef>
+          <a:fillRef idx="0">
+            <a:schemeClr val="dk1"/>
+          </a:fillRef>
+          <a:effectRef idx="0">
+            <a:schemeClr val="dk1"/>
+          </a:effectRef>
+          <a:fontRef idx="minor">
+            <a:schemeClr val="tx1"/>
+          </a:fontRef>
+        </p:style>
+      </p:cxnSp>
+      <p:sp>
+        <p:nvSpPr>
+          <p:cNvPr id="10" name="吹き出し: 角を丸めた四角形 9">
+            <a:extLst>
+              <a:ext uri="{FF2B5EF4-FFF2-40B4-BE49-F238E27FC236}">
+                <a16:creationId xmlns:a16="http://schemas.microsoft.com/office/drawing/2014/main" id="{BEED74E8-E566-4E50-B4ED-F86AF3B4E5CA}"/>
+              </a:ext>
+            </a:extLst>
+          </p:cNvPr>
+          <p:cNvSpPr/>
+          <p:nvPr/>
+        </p:nvSpPr>
+        <p:spPr>
+          <a:xfrm>
+            <a:off x="1683599" y="5470411"/>
+            <a:ext cx="4589879" cy="669851"/>
+          </a:xfrm>
+          <a:prstGeom prst="wedgeRoundRectCallout">
+            <a:avLst>
+              <a:gd name="adj1" fmla="val -56034"/>
+              <a:gd name="adj2" fmla="val 71137"/>
+              <a:gd name="adj3" fmla="val 16667"/>
+            </a:avLst>
+          </a:prstGeom>
+          <a:solidFill>
+            <a:schemeClr val="bg1"/>
+          </a:solidFill>
+        </p:spPr>
+        <p:style>
+          <a:lnRef idx="2">
+            <a:schemeClr val="accent1">
+              <a:shade val="50000"/>
+            </a:schemeClr>
+          </a:lnRef>
+          <a:fillRef idx="1">
+            <a:schemeClr val="accent1"/>
+          </a:fillRef>
+          <a:effectRef idx="0">
+            <a:schemeClr val="accent1"/>
+          </a:effectRef>
+          <a:fontRef idx="minor">
+            <a:schemeClr val="lt1"/>
+          </a:fontRef>
+        </p:style>
+        <p:txBody>
+          <a:bodyPr rtlCol="0" anchor="ctr"/>
+          <a:lstStyle/>
+          <a:p>
+            <a:pPr algn="ctr"/>
+            <a:r>
+              <a:rPr kumimoji="1" lang="ja-JP" altLang="en-US" b="1" dirty="0">
+                <a:solidFill>
+                  <a:schemeClr val="tx1"/>
+                </a:solidFill>
+              </a:rPr>
+              <a:t>今回学んだ経験を今後も活かすピヨ！！</a:t>
+            </a:r>
+          </a:p>
+        </p:txBody>
+      </p:sp>
+      <p:sp>
+        <p:nvSpPr>
+          <p:cNvPr id="11" name="吹き出し: 角を丸めた四角形 10">
+            <a:extLst>
+              <a:ext uri="{FF2B5EF4-FFF2-40B4-BE49-F238E27FC236}">
+                <a16:creationId xmlns:a16="http://schemas.microsoft.com/office/drawing/2014/main" id="{9CC15529-B129-4172-8F9C-1D4AC1629B42}"/>
+              </a:ext>
+            </a:extLst>
+          </p:cNvPr>
+          <p:cNvSpPr/>
+          <p:nvPr/>
+        </p:nvSpPr>
+        <p:spPr>
+          <a:xfrm>
+            <a:off x="6967958" y="5142825"/>
+            <a:ext cx="4306097" cy="669851"/>
+          </a:xfrm>
+          <a:prstGeom prst="wedgeRoundRectCallout">
+            <a:avLst>
+              <a:gd name="adj1" fmla="val 41343"/>
+              <a:gd name="adj2" fmla="val 99709"/>
+              <a:gd name="adj3" fmla="val 16667"/>
+            </a:avLst>
+          </a:prstGeom>
+          <a:solidFill>
+            <a:schemeClr val="bg1"/>
+          </a:solidFill>
+        </p:spPr>
+        <p:style>
+          <a:lnRef idx="2">
+            <a:schemeClr val="accent1">
+              <a:shade val="50000"/>
+            </a:schemeClr>
+          </a:lnRef>
+          <a:fillRef idx="1">
+            <a:schemeClr val="accent1"/>
+          </a:fillRef>
+          <a:effectRef idx="0">
+            <a:schemeClr val="accent1"/>
+          </a:effectRef>
+          <a:fontRef idx="minor">
+            <a:schemeClr val="lt1"/>
+          </a:fontRef>
+        </p:style>
+        <p:txBody>
+          <a:bodyPr rtlCol="0" anchor="ctr"/>
+          <a:lstStyle/>
+          <a:p>
+            <a:pPr algn="ctr"/>
+            <a:r>
+              <a:rPr lang="ja-JP" altLang="en-US" b="1" dirty="0">
+                <a:solidFill>
+                  <a:schemeClr val="tx1"/>
+                </a:solidFill>
+              </a:rPr>
+              <a:t>みんなの</a:t>
+            </a:r>
+            <a:r>
+              <a:rPr kumimoji="1" lang="ja-JP" altLang="en-US" b="1" dirty="0">
+                <a:solidFill>
+                  <a:schemeClr val="tx1"/>
+                </a:solidFill>
+              </a:rPr>
+              <a:t>成長に期待しているッピ</a:t>
+            </a:r>
+          </a:p>
+        </p:txBody>
+      </p:sp>
+    </p:spTree>
+    <p:extLst>
+      <p:ext uri="{BB962C8B-B14F-4D97-AF65-F5344CB8AC3E}">
+        <p14:creationId xmlns:p14="http://schemas.microsoft.com/office/powerpoint/2010/main" val="1796013863"/>
+      </p:ext>
+    </p:extLst>
+  </p:cSld>
+  <p:clrMapOvr>
+    <a:masterClrMapping/>
+  </p:clrMapOvr>
+</p:sld>
+</file>
+
+<file path=ppt/slides/slide2.xml><?xml version="1.0" encoding="utf-8"?>
+<p:sld xmlns:a="http://schemas.openxmlformats.org/drawingml/2006/main" xmlns:r="http://schemas.openxmlformats.org/officeDocument/2006/relationships" xmlns:p="http://schemas.openxmlformats.org/presentationml/2006/main">
+  <p:cSld>
+    <p:spTree>
+      <p:nvGrpSpPr>
+        <p:cNvPr id="1" name=""/>
+        <p:cNvGrpSpPr/>
+        <p:nvPr/>
+      </p:nvGrpSpPr>
+      <p:grpSpPr>
+        <a:xfrm>
+          <a:off x="0" y="0"/>
+          <a:ext cx="0" cy="0"/>
+          <a:chOff x="0" y="0"/>
+          <a:chExt cx="0" cy="0"/>
+        </a:xfrm>
+      </p:grpSpPr>
+      <p:sp>
+        <p:nvSpPr>
+          <p:cNvPr id="2" name="テキスト ボックス 1">
+            <a:extLst>
+              <a:ext uri="{FF2B5EF4-FFF2-40B4-BE49-F238E27FC236}">
+                <a16:creationId xmlns:a16="http://schemas.microsoft.com/office/drawing/2014/main" id="{81C933A3-980D-4805-A7C6-C0CF32F70CCF}"/>
+              </a:ext>
+            </a:extLst>
+          </p:cNvPr>
+          <p:cNvSpPr txBox="1"/>
+          <p:nvPr/>
+        </p:nvSpPr>
+        <p:spPr>
+          <a:xfrm>
+            <a:off x="3254477" y="2743200"/>
+            <a:ext cx="4670323" cy="369332"/>
+          </a:xfrm>
+          <a:prstGeom prst="rect">
+            <a:avLst/>
+          </a:prstGeom>
+          <a:noFill/>
+        </p:spPr>
+        <p:txBody>
+          <a:bodyPr wrap="square" rtlCol="0">
+            <a:spAutoFit/>
+          </a:bodyPr>
+          <a:lstStyle/>
+          <a:p>
+            <a:r>
+              <a:rPr kumimoji="1" lang="ja-JP" altLang="en-US" dirty="0"/>
+              <a:t>動画</a:t>
+            </a:r>
+          </a:p>
+        </p:txBody>
+      </p:sp>
+    </p:spTree>
+    <p:extLst>
+      <p:ext uri="{BB962C8B-B14F-4D97-AF65-F5344CB8AC3E}">
+        <p14:creationId xmlns:p14="http://schemas.microsoft.com/office/powerpoint/2010/main" val="1879961676"/>
       </p:ext>
     </p:extLst>
   </p:cSld>
@@ -11302,8 +11597,8 @@
         </p:nvSpPr>
         <p:spPr>
           <a:xfrm>
-            <a:off x="6595730" y="5142825"/>
-            <a:ext cx="4678326" cy="669851"/>
+            <a:off x="6967958" y="5142825"/>
+            <a:ext cx="4306097" cy="669851"/>
           </a:xfrm>
           <a:prstGeom prst="wedgeRoundRectCallout">
             <a:avLst>
@@ -12103,7 +12398,15 @@
           <a:p>
             <a:r>
               <a:rPr kumimoji="1" lang="ja-JP" altLang="en-US" sz="2800" b="1" dirty="0"/>
-              <a:t>共通認識を取った結果</a:t>
+              <a:t>共通認識を</a:t>
+            </a:r>
+            <a:r>
+              <a:rPr lang="ja-JP" altLang="en-US" sz="2800" b="1" dirty="0"/>
+              <a:t>持った</a:t>
+            </a:r>
+            <a:r>
+              <a:rPr kumimoji="1" lang="ja-JP" altLang="en-US" sz="2800" b="1" dirty="0"/>
+              <a:t>結果</a:t>
             </a:r>
           </a:p>
         </p:txBody>

--- a/doc/発表資料　天然水.pptx
+++ b/doc/発表資料　天然水.pptx
@@ -5223,6 +5223,82 @@
           </a:prstGeom>
         </p:spPr>
       </p:pic>
+      <p:sp>
+        <p:nvSpPr>
+          <p:cNvPr id="10" name="テキスト ボックス 9">
+            <a:extLst>
+              <a:ext uri="{FF2B5EF4-FFF2-40B4-BE49-F238E27FC236}">
+                <a16:creationId xmlns:a16="http://schemas.microsoft.com/office/drawing/2014/main" id="{C799E714-B9CC-4155-B14D-D6FA9A7CFED4}"/>
+              </a:ext>
+            </a:extLst>
+          </p:cNvPr>
+          <p:cNvSpPr txBox="1"/>
+          <p:nvPr/>
+        </p:nvSpPr>
+        <p:spPr>
+          <a:xfrm>
+            <a:off x="1683599" y="6386255"/>
+            <a:ext cx="4476308" cy="369332"/>
+          </a:xfrm>
+          <a:prstGeom prst="rect">
+            <a:avLst/>
+          </a:prstGeom>
+          <a:noFill/>
+        </p:spPr>
+        <p:txBody>
+          <a:bodyPr wrap="square" rtlCol="0">
+            <a:spAutoFit/>
+          </a:bodyPr>
+          <a:lstStyle/>
+          <a:p>
+            <a:r>
+              <a:rPr lang="en-US" altLang="ja-JP" dirty="0"/>
+              <a:t>C6</a:t>
+            </a:r>
+            <a:r>
+              <a:rPr lang="ja-JP" altLang="en-US" dirty="0"/>
+              <a:t>公式キャラクター：れしぴろーくん</a:t>
+            </a:r>
+            <a:endParaRPr kumimoji="1" lang="ja-JP" altLang="en-US" dirty="0"/>
+          </a:p>
+        </p:txBody>
+      </p:sp>
+      <p:sp>
+        <p:nvSpPr>
+          <p:cNvPr id="12" name="テキスト ボックス 11">
+            <a:extLst>
+              <a:ext uri="{FF2B5EF4-FFF2-40B4-BE49-F238E27FC236}">
+                <a16:creationId xmlns:a16="http://schemas.microsoft.com/office/drawing/2014/main" id="{5F1FC682-984C-42B5-B7C5-2F0A68E13E8D}"/>
+              </a:ext>
+            </a:extLst>
+          </p:cNvPr>
+          <p:cNvSpPr txBox="1"/>
+          <p:nvPr/>
+        </p:nvSpPr>
+        <p:spPr>
+          <a:xfrm>
+            <a:off x="8392633" y="6386255"/>
+            <a:ext cx="2441944" cy="369332"/>
+          </a:xfrm>
+          <a:prstGeom prst="rect">
+            <a:avLst/>
+          </a:prstGeom>
+          <a:noFill/>
+        </p:spPr>
+        <p:txBody>
+          <a:bodyPr wrap="square" rtlCol="0">
+            <a:spAutoFit/>
+          </a:bodyPr>
+          <a:lstStyle/>
+          <a:p>
+            <a:r>
+              <a:rPr lang="ja-JP" altLang="en-US" dirty="0"/>
+              <a:t>妹：れしぴこちゃん</a:t>
+            </a:r>
+            <a:endParaRPr kumimoji="1" lang="ja-JP" altLang="en-US" dirty="0"/>
+          </a:p>
+        </p:txBody>
+      </p:sp>
     </p:spTree>
     <p:extLst>
       <p:ext uri="{BB962C8B-B14F-4D97-AF65-F5344CB8AC3E}">
@@ -6191,82 +6267,6 @@
               <a:t>どうせ齊藤先生にプログラミング任せてるッピ！</a:t>
             </a:r>
             <a:endParaRPr kumimoji="1" lang="ja-JP" altLang="en-US" b="1" dirty="0"/>
-          </a:p>
-        </p:txBody>
-      </p:sp>
-      <p:sp>
-        <p:nvSpPr>
-          <p:cNvPr id="17" name="テキスト ボックス 16">
-            <a:extLst>
-              <a:ext uri="{FF2B5EF4-FFF2-40B4-BE49-F238E27FC236}">
-                <a16:creationId xmlns:a16="http://schemas.microsoft.com/office/drawing/2014/main" id="{B326183D-35DB-40E5-9B7A-06176F3E41E9}"/>
-              </a:ext>
-            </a:extLst>
-          </p:cNvPr>
-          <p:cNvSpPr txBox="1"/>
-          <p:nvPr/>
-        </p:nvSpPr>
-        <p:spPr>
-          <a:xfrm>
-            <a:off x="1683599" y="6386255"/>
-            <a:ext cx="4476308" cy="369332"/>
-          </a:xfrm>
-          <a:prstGeom prst="rect">
-            <a:avLst/>
-          </a:prstGeom>
-          <a:noFill/>
-        </p:spPr>
-        <p:txBody>
-          <a:bodyPr wrap="square" rtlCol="0">
-            <a:spAutoFit/>
-          </a:bodyPr>
-          <a:lstStyle/>
-          <a:p>
-            <a:r>
-              <a:rPr lang="en-US" altLang="ja-JP" dirty="0"/>
-              <a:t>C6</a:t>
-            </a:r>
-            <a:r>
-              <a:rPr lang="ja-JP" altLang="en-US" dirty="0"/>
-              <a:t>公式キャラクター：れしぴろーくん</a:t>
-            </a:r>
-            <a:endParaRPr kumimoji="1" lang="ja-JP" altLang="en-US" dirty="0"/>
-          </a:p>
-        </p:txBody>
-      </p:sp>
-      <p:sp>
-        <p:nvSpPr>
-          <p:cNvPr id="18" name="テキスト ボックス 17">
-            <a:extLst>
-              <a:ext uri="{FF2B5EF4-FFF2-40B4-BE49-F238E27FC236}">
-                <a16:creationId xmlns:a16="http://schemas.microsoft.com/office/drawing/2014/main" id="{7916233A-A0A1-4698-BB80-047432916E76}"/>
-              </a:ext>
-            </a:extLst>
-          </p:cNvPr>
-          <p:cNvSpPr txBox="1"/>
-          <p:nvPr/>
-        </p:nvSpPr>
-        <p:spPr>
-          <a:xfrm>
-            <a:off x="8392633" y="6386255"/>
-            <a:ext cx="2441944" cy="369332"/>
-          </a:xfrm>
-          <a:prstGeom prst="rect">
-            <a:avLst/>
-          </a:prstGeom>
-          <a:noFill/>
-        </p:spPr>
-        <p:txBody>
-          <a:bodyPr wrap="square" rtlCol="0">
-            <a:spAutoFit/>
-          </a:bodyPr>
-          <a:lstStyle/>
-          <a:p>
-            <a:r>
-              <a:rPr lang="ja-JP" altLang="en-US" dirty="0"/>
-              <a:t>妹：れしぴこちゃん</a:t>
-            </a:r>
-            <a:endParaRPr kumimoji="1" lang="ja-JP" altLang="en-US" dirty="0"/>
           </a:p>
         </p:txBody>
       </p:sp>
